--- a/发表1.pptx
+++ b/发表1.pptx
@@ -5,20 +5,21 @@
     <p:sldMasterId id="2147483648" r:id="rId1"/>
   </p:sldMasterIdLst>
   <p:notesMasterIdLst>
-    <p:notesMasterId r:id="rId13"/>
+    <p:notesMasterId r:id="rId14"/>
   </p:notesMasterIdLst>
   <p:sldIdLst>
     <p:sldId id="256" r:id="rId2"/>
     <p:sldId id="257" r:id="rId3"/>
     <p:sldId id="259" r:id="rId4"/>
     <p:sldId id="258" r:id="rId5"/>
-    <p:sldId id="260" r:id="rId6"/>
-    <p:sldId id="261" r:id="rId7"/>
-    <p:sldId id="262" r:id="rId8"/>
-    <p:sldId id="266" r:id="rId9"/>
-    <p:sldId id="263" r:id="rId10"/>
-    <p:sldId id="264" r:id="rId11"/>
-    <p:sldId id="265" r:id="rId12"/>
+    <p:sldId id="267" r:id="rId6"/>
+    <p:sldId id="260" r:id="rId7"/>
+    <p:sldId id="261" r:id="rId8"/>
+    <p:sldId id="262" r:id="rId9"/>
+    <p:sldId id="266" r:id="rId10"/>
+    <p:sldId id="263" r:id="rId11"/>
+    <p:sldId id="264" r:id="rId12"/>
+    <p:sldId id="265" r:id="rId13"/>
   </p:sldIdLst>
   <p:sldSz cx="12192000" cy="6858000"/>
   <p:notesSz cx="6858000" cy="9144000"/>
@@ -5208,7 +5209,7 @@
           <a:p>
             <a:fld id="{85AC70E5-7261-4685-8D06-1F91593DB4DD}" type="datetimeFigureOut">
               <a:rPr lang="zh-CN" altLang="en-US" smtClean="0"/>
-              <a:t>2023/7/1</a:t>
+              <a:t>2023/7/3</a:t>
             </a:fld>
             <a:endParaRPr lang="zh-CN" altLang="en-US"/>
           </a:p>
@@ -5735,6 +5736,90 @@
 </p:notes>
 </file>
 
+<file path=ppt/notesSlides/notesSlide4.xml><?xml version="1.0" encoding="utf-8"?>
+<p:notes xmlns:a="http://schemas.openxmlformats.org/drawingml/2006/main" xmlns:r="http://schemas.openxmlformats.org/officeDocument/2006/relationships" xmlns:p="http://schemas.openxmlformats.org/presentationml/2006/main">
+  <p:cSld>
+    <p:spTree>
+      <p:nvGrpSpPr>
+        <p:cNvPr id="1" name=""/>
+        <p:cNvGrpSpPr/>
+        <p:nvPr/>
+      </p:nvGrpSpPr>
+      <p:grpSpPr>
+        <a:xfrm>
+          <a:off x="0" y="0"/>
+          <a:ext cx="0" cy="0"/>
+          <a:chOff x="0" y="0"/>
+          <a:chExt cx="0" cy="0"/>
+        </a:xfrm>
+      </p:grpSpPr>
+      <p:sp>
+        <p:nvSpPr>
+          <p:cNvPr id="2" name="幻灯片图像占位符 1"/>
+          <p:cNvSpPr>
+            <a:spLocks noGrp="1" noRot="1" noChangeAspect="1"/>
+          </p:cNvSpPr>
+          <p:nvPr>
+            <p:ph type="sldImg"/>
+          </p:nvPr>
+        </p:nvSpPr>
+        <p:spPr/>
+      </p:sp>
+      <p:sp>
+        <p:nvSpPr>
+          <p:cNvPr id="3" name="备注占位符 2"/>
+          <p:cNvSpPr>
+            <a:spLocks noGrp="1"/>
+          </p:cNvSpPr>
+          <p:nvPr>
+            <p:ph type="body" idx="1"/>
+          </p:nvPr>
+        </p:nvSpPr>
+        <p:spPr/>
+        <p:txBody>
+          <a:bodyPr/>
+          <a:lstStyle/>
+          <a:p>
+            <a:endParaRPr lang="en-US" dirty="0"/>
+          </a:p>
+        </p:txBody>
+      </p:sp>
+      <p:sp>
+        <p:nvSpPr>
+          <p:cNvPr id="4" name="灯片编号占位符 3"/>
+          <p:cNvSpPr>
+            <a:spLocks noGrp="1"/>
+          </p:cNvSpPr>
+          <p:nvPr>
+            <p:ph type="sldNum" sz="quarter" idx="5"/>
+          </p:nvPr>
+        </p:nvSpPr>
+        <p:spPr/>
+        <p:txBody>
+          <a:bodyPr/>
+          <a:lstStyle/>
+          <a:p>
+            <a:fld id="{5001794A-C762-4B9B-B6A1-F6A72A7E92A3}" type="slidenum">
+              <a:rPr lang="zh-CN" altLang="en-US" smtClean="0"/>
+              <a:t>6</a:t>
+            </a:fld>
+            <a:endParaRPr lang="zh-CN" altLang="en-US"/>
+          </a:p>
+        </p:txBody>
+      </p:sp>
+    </p:spTree>
+    <p:extLst>
+      <p:ext uri="{BB962C8B-B14F-4D97-AF65-F5344CB8AC3E}">
+        <p14:creationId xmlns:p14="http://schemas.microsoft.com/office/powerpoint/2010/main" val="3158719377"/>
+      </p:ext>
+    </p:extLst>
+  </p:cSld>
+  <p:clrMapOvr>
+    <a:masterClrMapping/>
+  </p:clrMapOvr>
+</p:notes>
+</file>
+
 <file path=ppt/slideLayouts/slideLayout1.xml><?xml version="1.0" encoding="utf-8"?>
 <p:sldLayout xmlns:a="http://schemas.openxmlformats.org/drawingml/2006/main" xmlns:r="http://schemas.openxmlformats.org/officeDocument/2006/relationships" xmlns:p="http://schemas.openxmlformats.org/presentationml/2006/main" type="title" preserve="1">
   <p:cSld name="标题幻灯片">
@@ -5882,7 +5967,7 @@
           <a:p>
             <a:fld id="{A9436E16-FFFA-4997-B864-1F5F135C7686}" type="datetime1">
               <a:rPr lang="zh-CN" altLang="en-US" smtClean="0"/>
-              <a:t>2023/7/1</a:t>
+              <a:t>2023/7/3</a:t>
             </a:fld>
             <a:endParaRPr lang="zh-CN" altLang="en-US"/>
           </a:p>
@@ -6080,7 +6165,7 @@
           <a:p>
             <a:fld id="{8EE2F145-6DDA-4CC5-A70A-C7FBA4729E8D}" type="datetime1">
               <a:rPr lang="zh-CN" altLang="en-US" smtClean="0"/>
-              <a:t>2023/7/1</a:t>
+              <a:t>2023/7/3</a:t>
             </a:fld>
             <a:endParaRPr lang="zh-CN" altLang="en-US"/>
           </a:p>
@@ -6288,7 +6373,7 @@
           <a:p>
             <a:fld id="{BBD9AA4F-CF23-4D6B-9B6B-AE17063D244C}" type="datetime1">
               <a:rPr lang="zh-CN" altLang="en-US" smtClean="0"/>
-              <a:t>2023/7/1</a:t>
+              <a:t>2023/7/3</a:t>
             </a:fld>
             <a:endParaRPr lang="zh-CN" altLang="en-US"/>
           </a:p>
@@ -6486,7 +6571,7 @@
           <a:p>
             <a:fld id="{3596A99C-9613-428A-AE1E-33FAE10C9670}" type="datetime1">
               <a:rPr lang="zh-CN" altLang="en-US" smtClean="0"/>
-              <a:t>2023/7/1</a:t>
+              <a:t>2023/7/3</a:t>
             </a:fld>
             <a:endParaRPr lang="zh-CN" altLang="en-US"/>
           </a:p>
@@ -6761,7 +6846,7 @@
           <a:p>
             <a:fld id="{690EDF70-A98B-4CB4-902F-407376D4F016}" type="datetime1">
               <a:rPr lang="zh-CN" altLang="en-US" smtClean="0"/>
-              <a:t>2023/7/1</a:t>
+              <a:t>2023/7/3</a:t>
             </a:fld>
             <a:endParaRPr lang="zh-CN" altLang="en-US"/>
           </a:p>
@@ -7026,7 +7111,7 @@
           <a:p>
             <a:fld id="{55191218-FF0E-4233-8E14-94C9E35919D2}" type="datetime1">
               <a:rPr lang="zh-CN" altLang="en-US" smtClean="0"/>
-              <a:t>2023/7/1</a:t>
+              <a:t>2023/7/3</a:t>
             </a:fld>
             <a:endParaRPr lang="zh-CN" altLang="en-US"/>
           </a:p>
@@ -7438,7 +7523,7 @@
           <a:p>
             <a:fld id="{2885F281-E296-4F1F-95BA-CCE7D34B8AAB}" type="datetime1">
               <a:rPr lang="zh-CN" altLang="en-US" smtClean="0"/>
-              <a:t>2023/7/1</a:t>
+              <a:t>2023/7/3</a:t>
             </a:fld>
             <a:endParaRPr lang="zh-CN" altLang="en-US"/>
           </a:p>
@@ -7579,7 +7664,7 @@
           <a:p>
             <a:fld id="{02E7C9D2-E1AA-4AAC-88D8-7A6C1A46DD14}" type="datetime1">
               <a:rPr lang="zh-CN" altLang="en-US" smtClean="0"/>
-              <a:t>2023/7/1</a:t>
+              <a:t>2023/7/3</a:t>
             </a:fld>
             <a:endParaRPr lang="zh-CN" altLang="en-US"/>
           </a:p>
@@ -7692,7 +7777,7 @@
           <a:p>
             <a:fld id="{FE5E14F7-65CB-4208-B9DC-2061A202C924}" type="datetime1">
               <a:rPr lang="zh-CN" altLang="en-US" smtClean="0"/>
-              <a:t>2023/7/1</a:t>
+              <a:t>2023/7/3</a:t>
             </a:fld>
             <a:endParaRPr lang="zh-CN" altLang="en-US"/>
           </a:p>
@@ -8003,7 +8088,7 @@
           <a:p>
             <a:fld id="{BF1A6C98-A48E-4176-8C9A-2066EC8BB530}" type="datetime1">
               <a:rPr lang="zh-CN" altLang="en-US" smtClean="0"/>
-              <a:t>2023/7/1</a:t>
+              <a:t>2023/7/3</a:t>
             </a:fld>
             <a:endParaRPr lang="zh-CN" altLang="en-US"/>
           </a:p>
@@ -8291,7 +8376,7 @@
           <a:p>
             <a:fld id="{E552969B-53BA-4479-A0B8-52E240E87CA7}" type="datetime1">
               <a:rPr lang="zh-CN" altLang="en-US" smtClean="0"/>
-              <a:t>2023/7/1</a:t>
+              <a:t>2023/7/3</a:t>
             </a:fld>
             <a:endParaRPr lang="zh-CN" altLang="en-US"/>
           </a:p>
@@ -8532,7 +8617,7 @@
           <a:p>
             <a:fld id="{EE8EAA9A-6497-4DFE-BA8A-D451B7C36011}" type="datetime1">
               <a:rPr lang="zh-CN" altLang="en-US" smtClean="0"/>
-              <a:t>2023/7/1</a:t>
+              <a:t>2023/7/3</a:t>
             </a:fld>
             <a:endParaRPr lang="zh-CN" altLang="en-US"/>
           </a:p>
@@ -9526,6 +9611,94 @@
       </p:sp>
       <p:pic>
         <p:nvPicPr>
+          <p:cNvPr id="3" name="图片 4" descr="表格&#10;&#10;已自动生成说明">
+            <a:extLst>
+              <a:ext uri="{FF2B5EF4-FFF2-40B4-BE49-F238E27FC236}">
+                <a16:creationId xmlns:a16="http://schemas.microsoft.com/office/drawing/2014/main" id="{60087EE0-8DBF-D443-CC4A-7D307BB62681}"/>
+              </a:ext>
+            </a:extLst>
+          </p:cNvPr>
+          <p:cNvPicPr>
+            <a:picLocks noChangeAspect="1"/>
+          </p:cNvPicPr>
+          <p:nvPr/>
+        </p:nvPicPr>
+        <p:blipFill rotWithShape="1">
+          <a:blip r:embed="rId2"/>
+          <a:srcRect r="-110" b="49528"/>
+          <a:stretch/>
+        </p:blipFill>
+        <p:spPr>
+          <a:xfrm>
+            <a:off x="1055084" y="-1808"/>
+            <a:ext cx="10370491" cy="6804382"/>
+          </a:xfrm>
+          <a:prstGeom prst="rect">
+            <a:avLst/>
+          </a:prstGeom>
+        </p:spPr>
+      </p:pic>
+    </p:spTree>
+    <p:extLst>
+      <p:ext uri="{BB962C8B-B14F-4D97-AF65-F5344CB8AC3E}">
+        <p14:creationId xmlns:p14="http://schemas.microsoft.com/office/powerpoint/2010/main" val="3606215223"/>
+      </p:ext>
+    </p:extLst>
+  </p:cSld>
+  <p:clrMapOvr>
+    <a:masterClrMapping/>
+  </p:clrMapOvr>
+</p:sld>
+</file>
+
+<file path=ppt/slides/slide11.xml><?xml version="1.0" encoding="utf-8"?>
+<p:sld xmlns:a="http://schemas.openxmlformats.org/drawingml/2006/main" xmlns:r="http://schemas.openxmlformats.org/officeDocument/2006/relationships" xmlns:p="http://schemas.openxmlformats.org/presentationml/2006/main">
+  <p:cSld>
+    <p:spTree>
+      <p:nvGrpSpPr>
+        <p:cNvPr id="1" name=""/>
+        <p:cNvGrpSpPr/>
+        <p:nvPr/>
+      </p:nvGrpSpPr>
+      <p:grpSpPr>
+        <a:xfrm>
+          <a:off x="0" y="0"/>
+          <a:ext cx="0" cy="0"/>
+          <a:chOff x="0" y="0"/>
+          <a:chExt cx="0" cy="0"/>
+        </a:xfrm>
+      </p:grpSpPr>
+      <p:sp>
+        <p:nvSpPr>
+          <p:cNvPr id="4" name="灯片编号占位符 3">
+            <a:extLst>
+              <a:ext uri="{FF2B5EF4-FFF2-40B4-BE49-F238E27FC236}">
+                <a16:creationId xmlns:a16="http://schemas.microsoft.com/office/drawing/2014/main" id="{EA94B3AC-0A19-537C-2F88-1E8DC3133890}"/>
+              </a:ext>
+            </a:extLst>
+          </p:cNvPr>
+          <p:cNvSpPr>
+            <a:spLocks noGrp="1"/>
+          </p:cNvSpPr>
+          <p:nvPr>
+            <p:ph type="sldNum" sz="quarter" idx="12"/>
+          </p:nvPr>
+        </p:nvSpPr>
+        <p:spPr/>
+        <p:txBody>
+          <a:bodyPr/>
+          <a:lstStyle/>
+          <a:p>
+            <a:fld id="{4850F4DE-1C22-402A-862E-BA4FB7F7A4F6}" type="slidenum">
+              <a:rPr lang="zh-CN" altLang="en-US" smtClean="0"/>
+              <a:t>11</a:t>
+            </a:fld>
+            <a:endParaRPr lang="zh-CN" altLang="en-US"/>
+          </a:p>
+        </p:txBody>
+      </p:sp>
+      <p:pic>
+        <p:nvPicPr>
           <p:cNvPr id="6" name="图片 4" descr="表格&#10;&#10;已自动生成说明">
             <a:extLst>
               <a:ext uri="{FF2B5EF4-FFF2-40B4-BE49-F238E27FC236}">
@@ -9566,7 +9739,7 @@
 </p:sld>
 </file>
 
-<file path=ppt/slides/slide11.xml><?xml version="1.0" encoding="utf-8"?>
+<file path=ppt/slides/slide12.xml><?xml version="1.0" encoding="utf-8"?>
 <p:sld xmlns:a="http://schemas.openxmlformats.org/drawingml/2006/main" xmlns:r="http://schemas.openxmlformats.org/officeDocument/2006/relationships" xmlns:p="http://schemas.openxmlformats.org/presentationml/2006/main">
   <p:cSld>
     <p:spTree>
@@ -9606,7 +9779,7 @@
           <a:p>
             <a:fld id="{4850F4DE-1C22-402A-862E-BA4FB7F7A4F6}" type="slidenum">
               <a:rPr lang="zh-CN" altLang="en-US" smtClean="0"/>
-              <a:t>11</a:t>
+              <a:t>12</a:t>
             </a:fld>
             <a:endParaRPr lang="zh-CN" altLang="en-US"/>
           </a:p>
@@ -14408,7 +14581,7 @@
     </p:spTree>
     <p:extLst>
       <p:ext uri="{BB962C8B-B14F-4D97-AF65-F5344CB8AC3E}">
-        <p14:creationId xmlns:p14="http://schemas.microsoft.com/office/powerpoint/2010/main" val="3102131764"/>
+        <p14:creationId xmlns:p14="http://schemas.microsoft.com/office/powerpoint/2010/main" val="74527007"/>
       </p:ext>
     </p:extLst>
   </p:cSld>
@@ -14767,198 +14940,12 @@
           </a:p>
         </p:txBody>
       </p:sp>
-      <p:sp>
-        <p:nvSpPr>
-          <p:cNvPr id="2" name="矩形 1">
+      <p:pic>
+        <p:nvPicPr>
+          <p:cNvPr id="2" name="图片 1" descr="形状&#10;&#10;中度可信度描述已自动生成">
             <a:extLst>
               <a:ext uri="{FF2B5EF4-FFF2-40B4-BE49-F238E27FC236}">
-                <a16:creationId xmlns:a16="http://schemas.microsoft.com/office/drawing/2014/main" id="{56A9CDEB-3ED8-B1C5-01D3-FA9DD79928E4}"/>
-              </a:ext>
-            </a:extLst>
-          </p:cNvPr>
-          <p:cNvSpPr/>
-          <p:nvPr/>
-        </p:nvSpPr>
-        <p:spPr>
-          <a:xfrm>
-            <a:off x="378244" y="1545021"/>
-            <a:ext cx="6770701" cy="5047592"/>
-          </a:xfrm>
-          <a:prstGeom prst="rect">
-            <a:avLst/>
-          </a:prstGeom>
-        </p:spPr>
-        <p:txBody>
-          <a:bodyPr wrap="square">
-            <a:noAutofit/>
-          </a:bodyPr>
-          <a:lstStyle>
-            <a:defPPr>
-              <a:defRPr lang="ja-JP"/>
-            </a:defPPr>
-            <a:lvl1pPr marL="0" algn="l" defTabSz="914400" rtl="0" eaLnBrk="1" latinLnBrk="0" hangingPunct="1">
-              <a:defRPr kumimoji="1" sz="1800" kern="1200">
-                <a:solidFill>
-                  <a:schemeClr val="tx1"/>
-                </a:solidFill>
-                <a:latin typeface="+mn-lt"/>
-                <a:ea typeface="+mn-ea"/>
-                <a:cs typeface="+mn-cs"/>
-              </a:defRPr>
-            </a:lvl1pPr>
-            <a:lvl2pPr marL="457200" algn="l" defTabSz="914400" rtl="0" eaLnBrk="1" latinLnBrk="0" hangingPunct="1">
-              <a:defRPr kumimoji="1" sz="1800" kern="1200">
-                <a:solidFill>
-                  <a:schemeClr val="tx1"/>
-                </a:solidFill>
-                <a:latin typeface="+mn-lt"/>
-                <a:ea typeface="+mn-ea"/>
-                <a:cs typeface="+mn-cs"/>
-              </a:defRPr>
-            </a:lvl2pPr>
-            <a:lvl3pPr marL="914400" algn="l" defTabSz="914400" rtl="0" eaLnBrk="1" latinLnBrk="0" hangingPunct="1">
-              <a:defRPr kumimoji="1" sz="1800" kern="1200">
-                <a:solidFill>
-                  <a:schemeClr val="tx1"/>
-                </a:solidFill>
-                <a:latin typeface="+mn-lt"/>
-                <a:ea typeface="+mn-ea"/>
-                <a:cs typeface="+mn-cs"/>
-              </a:defRPr>
-            </a:lvl3pPr>
-            <a:lvl4pPr marL="1371600" algn="l" defTabSz="914400" rtl="0" eaLnBrk="1" latinLnBrk="0" hangingPunct="1">
-              <a:defRPr kumimoji="1" sz="1800" kern="1200">
-                <a:solidFill>
-                  <a:schemeClr val="tx1"/>
-                </a:solidFill>
-                <a:latin typeface="+mn-lt"/>
-                <a:ea typeface="+mn-ea"/>
-                <a:cs typeface="+mn-cs"/>
-              </a:defRPr>
-            </a:lvl4pPr>
-            <a:lvl5pPr marL="1828800" algn="l" defTabSz="914400" rtl="0" eaLnBrk="1" latinLnBrk="0" hangingPunct="1">
-              <a:defRPr kumimoji="1" sz="1800" kern="1200">
-                <a:solidFill>
-                  <a:schemeClr val="tx1"/>
-                </a:solidFill>
-                <a:latin typeface="+mn-lt"/>
-                <a:ea typeface="+mn-ea"/>
-                <a:cs typeface="+mn-cs"/>
-              </a:defRPr>
-            </a:lvl5pPr>
-            <a:lvl6pPr marL="2286000" algn="l" defTabSz="914400" rtl="0" eaLnBrk="1" latinLnBrk="0" hangingPunct="1">
-              <a:defRPr kumimoji="1" sz="1800" kern="1200">
-                <a:solidFill>
-                  <a:schemeClr val="tx1"/>
-                </a:solidFill>
-                <a:latin typeface="+mn-lt"/>
-                <a:ea typeface="+mn-ea"/>
-                <a:cs typeface="+mn-cs"/>
-              </a:defRPr>
-            </a:lvl6pPr>
-            <a:lvl7pPr marL="2743200" algn="l" defTabSz="914400" rtl="0" eaLnBrk="1" latinLnBrk="0" hangingPunct="1">
-              <a:defRPr kumimoji="1" sz="1800" kern="1200">
-                <a:solidFill>
-                  <a:schemeClr val="tx1"/>
-                </a:solidFill>
-                <a:latin typeface="+mn-lt"/>
-                <a:ea typeface="+mn-ea"/>
-                <a:cs typeface="+mn-cs"/>
-              </a:defRPr>
-            </a:lvl7pPr>
-            <a:lvl8pPr marL="3200400" algn="l" defTabSz="914400" rtl="0" eaLnBrk="1" latinLnBrk="0" hangingPunct="1">
-              <a:defRPr kumimoji="1" sz="1800" kern="1200">
-                <a:solidFill>
-                  <a:schemeClr val="tx1"/>
-                </a:solidFill>
-                <a:latin typeface="+mn-lt"/>
-                <a:ea typeface="+mn-ea"/>
-                <a:cs typeface="+mn-cs"/>
-              </a:defRPr>
-            </a:lvl8pPr>
-            <a:lvl9pPr marL="3657600" algn="l" defTabSz="914400" rtl="0" eaLnBrk="1" latinLnBrk="0" hangingPunct="1">
-              <a:defRPr kumimoji="1" sz="1800" kern="1200">
-                <a:solidFill>
-                  <a:schemeClr val="tx1"/>
-                </a:solidFill>
-                <a:latin typeface="+mn-lt"/>
-                <a:ea typeface="+mn-ea"/>
-                <a:cs typeface="+mn-cs"/>
-              </a:defRPr>
-            </a:lvl9pPr>
-          </a:lstStyle>
-          <a:p>
-            <a:r>
-              <a:rPr lang="en-US" altLang="ja-JP" sz="2800" dirty="0">
-                <a:latin typeface="Times New Roman" panose="02020603050405020304" pitchFamily="18" charset="0"/>
-                <a:cs typeface="Times New Roman" panose="02020603050405020304" pitchFamily="18" charset="0"/>
-              </a:rPr>
-              <a:t>However, DNM still has some issues, such as:</a:t>
-            </a:r>
-          </a:p>
-          <a:p>
-            <a:endParaRPr lang="en-US" altLang="ja-JP" sz="2800" dirty="0">
-              <a:latin typeface="Times New Roman" panose="02020603050405020304" pitchFamily="18" charset="0"/>
-              <a:cs typeface="Times New Roman" panose="02020603050405020304" pitchFamily="18" charset="0"/>
-            </a:endParaRPr>
-          </a:p>
-          <a:p>
-            <a:pPr marL="514350" indent="-514350">
-              <a:buAutoNum type="arabicPeriod"/>
-            </a:pPr>
-            <a:r>
-              <a:rPr lang="en-US" altLang="ja-JP" sz="2800" dirty="0">
-                <a:latin typeface="Times New Roman" panose="02020603050405020304" pitchFamily="18" charset="0"/>
-                <a:cs typeface="Times New Roman" panose="02020603050405020304" pitchFamily="18" charset="0"/>
-              </a:rPr>
-              <a:t>In most cases, DNM need to be trained using evolutionary algorithms (EA) to achieve the best results. </a:t>
-            </a:r>
-            <a:r>
-              <a:rPr lang="en-US" altLang="ja-JP" sz="2800" b="1" dirty="0">
-                <a:latin typeface="Times New Roman" panose="02020603050405020304" pitchFamily="18" charset="0"/>
-                <a:cs typeface="Times New Roman" panose="02020603050405020304" pitchFamily="18" charset="0"/>
-              </a:rPr>
-              <a:t>EA limits the increase of DNM parameters.</a:t>
-            </a:r>
-          </a:p>
-          <a:p>
-            <a:pPr marL="514350" indent="-514350">
-              <a:buAutoNum type="arabicPeriod"/>
-            </a:pPr>
-            <a:r>
-              <a:rPr lang="en-US" altLang="ja-JP" sz="2800" dirty="0">
-                <a:latin typeface="Times New Roman" panose="02020603050405020304" pitchFamily="18" charset="0"/>
-                <a:cs typeface="Times New Roman" panose="02020603050405020304" pitchFamily="18" charset="0"/>
-              </a:rPr>
-              <a:t>The computational power of a single DNM is limited and it is currently </a:t>
-            </a:r>
-            <a:r>
-              <a:rPr lang="en-US" altLang="ja-JP" sz="2800" b="1" dirty="0">
-                <a:latin typeface="Times New Roman" panose="02020603050405020304" pitchFamily="18" charset="0"/>
-                <a:cs typeface="Times New Roman" panose="02020603050405020304" pitchFamily="18" charset="0"/>
-              </a:rPr>
-              <a:t>impossible to form complex network </a:t>
-            </a:r>
-            <a:r>
-              <a:rPr lang="en-US" altLang="ja-JP" sz="2800" dirty="0">
-                <a:latin typeface="Times New Roman" panose="02020603050405020304" pitchFamily="18" charset="0"/>
-                <a:cs typeface="Times New Roman" panose="02020603050405020304" pitchFamily="18" charset="0"/>
-              </a:rPr>
-              <a:t>with multiple DNMs.</a:t>
-            </a:r>
-            <a:endParaRPr lang="ja-JP" altLang="en-US" sz="2800" dirty="0">
-              <a:latin typeface="Times New Roman" panose="02020603050405020304" pitchFamily="18" charset="0"/>
-              <a:cs typeface="Times New Roman" panose="02020603050405020304" pitchFamily="18" charset="0"/>
-            </a:endParaRPr>
-          </a:p>
-        </p:txBody>
-      </p:sp>
-      <p:pic>
-        <p:nvPicPr>
-          <p:cNvPr id="3" name="图片 2" descr="形状&#10;&#10;中度可信度描述已自动生成">
-            <a:extLst>
-              <a:ext uri="{FF2B5EF4-FFF2-40B4-BE49-F238E27FC236}">
-                <a16:creationId xmlns:a16="http://schemas.microsoft.com/office/drawing/2014/main" id="{99287E21-A52A-472B-7BB9-B297B2043D5F}"/>
+                <a16:creationId xmlns:a16="http://schemas.microsoft.com/office/drawing/2014/main" id="{2092300E-20A0-7BD8-2E41-3E824E45A2AF}"/>
               </a:ext>
             </a:extLst>
           </p:cNvPr>
@@ -14968,30 +14955,284 @@
           <p:nvPr/>
         </p:nvPicPr>
         <p:blipFill rotWithShape="1">
-          <a:blip r:embed="rId2">
+          <a:blip r:embed="rId3">
             <a:extLst>
               <a:ext uri="{28A0092B-C50C-407E-A947-70E740481C1C}">
                 <a14:useLocalDpi xmlns:a14="http://schemas.microsoft.com/office/drawing/2010/main" val="0"/>
               </a:ext>
             </a:extLst>
           </a:blip>
-          <a:srcRect l="50412" t="12028" r="697" b="12028"/>
+          <a:srcRect l="-275" t="-2766" r="53963" b="9499"/>
           <a:stretch/>
         </p:blipFill>
         <p:spPr>
           <a:xfrm>
-            <a:off x="6898087" y="2050027"/>
-            <a:ext cx="5266724" cy="3519500"/>
+            <a:off x="6741547" y="2286594"/>
+            <a:ext cx="5234396" cy="4535145"/>
           </a:xfrm>
           <a:prstGeom prst="rect">
             <a:avLst/>
           </a:prstGeom>
         </p:spPr>
       </p:pic>
+      <p:grpSp>
+        <p:nvGrpSpPr>
+          <p:cNvPr id="1024" name="组合 1023">
+            <a:extLst>
+              <a:ext uri="{FF2B5EF4-FFF2-40B4-BE49-F238E27FC236}">
+                <a16:creationId xmlns:a16="http://schemas.microsoft.com/office/drawing/2014/main" id="{123298D5-8D7F-0ACE-8F1B-C84E4A7DBCD0}"/>
+              </a:ext>
+            </a:extLst>
+          </p:cNvPr>
+          <p:cNvGrpSpPr/>
+          <p:nvPr/>
+        </p:nvGrpSpPr>
+        <p:grpSpPr>
+          <a:xfrm>
+            <a:off x="0" y="1635984"/>
+            <a:ext cx="6571840" cy="5222016"/>
+            <a:chOff x="0" y="1247800"/>
+            <a:chExt cx="6961991" cy="4871390"/>
+          </a:xfrm>
+        </p:grpSpPr>
+        <p:pic>
+          <p:nvPicPr>
+            <p:cNvPr id="1026" name="Picture 2">
+              <a:extLst>
+                <a:ext uri="{FF2B5EF4-FFF2-40B4-BE49-F238E27FC236}">
+                  <a16:creationId xmlns:a16="http://schemas.microsoft.com/office/drawing/2014/main" id="{2ADC3D34-139F-6C46-5A88-70560A6E09F0}"/>
+                </a:ext>
+              </a:extLst>
+            </p:cNvPr>
+            <p:cNvPicPr>
+              <a:picLocks noChangeAspect="1" noChangeArrowheads="1"/>
+            </p:cNvPicPr>
+            <p:nvPr/>
+          </p:nvPicPr>
+          <p:blipFill rotWithShape="1">
+            <a:blip r:embed="rId4">
+              <a:extLst>
+                <a:ext uri="{28A0092B-C50C-407E-A947-70E740481C1C}">
+                  <a14:useLocalDpi xmlns:a14="http://schemas.microsoft.com/office/drawing/2010/main" val="0"/>
+                </a:ext>
+              </a:extLst>
+            </a:blip>
+            <a:srcRect t="10225" r="19048" b="10765"/>
+            <a:stretch/>
+          </p:blipFill>
+          <p:spPr bwMode="auto">
+            <a:xfrm>
+              <a:off x="0" y="1247800"/>
+              <a:ext cx="6765819" cy="4871390"/>
+            </a:xfrm>
+            <a:prstGeom prst="rect">
+              <a:avLst/>
+            </a:prstGeom>
+            <a:noFill/>
+            <a:extLst>
+              <a:ext uri="{909E8E84-426E-40DD-AFC4-6F175D3DCCD1}">
+                <a14:hiddenFill xmlns:a14="http://schemas.microsoft.com/office/drawing/2010/main">
+                  <a:solidFill>
+                    <a:srgbClr val="FFFFFF"/>
+                  </a:solidFill>
+                </a14:hiddenFill>
+              </a:ext>
+            </a:extLst>
+          </p:spPr>
+        </p:pic>
+        <p:sp>
+          <p:nvSpPr>
+            <p:cNvPr id="16" name="矩形 15">
+              <a:extLst>
+                <a:ext uri="{FF2B5EF4-FFF2-40B4-BE49-F238E27FC236}">
+                  <a16:creationId xmlns:a16="http://schemas.microsoft.com/office/drawing/2014/main" id="{25684F6C-30EA-F4BA-6264-2EF57EA8473F}"/>
+                </a:ext>
+              </a:extLst>
+            </p:cNvPr>
+            <p:cNvSpPr/>
+            <p:nvPr/>
+          </p:nvSpPr>
+          <p:spPr>
+            <a:xfrm>
+              <a:off x="4044876" y="3372884"/>
+              <a:ext cx="1409252" cy="489112"/>
+            </a:xfrm>
+            <a:prstGeom prst="rect">
+              <a:avLst/>
+            </a:prstGeom>
+            <a:ln>
+              <a:noFill/>
+            </a:ln>
+          </p:spPr>
+          <p:style>
+            <a:lnRef idx="2">
+              <a:schemeClr val="dk1"/>
+            </a:lnRef>
+            <a:fillRef idx="1">
+              <a:schemeClr val="lt1"/>
+            </a:fillRef>
+            <a:effectRef idx="0">
+              <a:schemeClr val="dk1"/>
+            </a:effectRef>
+            <a:fontRef idx="minor">
+              <a:schemeClr val="dk1"/>
+            </a:fontRef>
+          </p:style>
+          <p:txBody>
+            <a:bodyPr rtlCol="0" anchor="ctr"/>
+            <a:lstStyle/>
+            <a:p>
+              <a:pPr algn="ctr"/>
+              <a:endParaRPr lang="en-US"/>
+            </a:p>
+          </p:txBody>
+        </p:sp>
+        <p:sp>
+          <p:nvSpPr>
+            <p:cNvPr id="17" name="矩形 16">
+              <a:extLst>
+                <a:ext uri="{FF2B5EF4-FFF2-40B4-BE49-F238E27FC236}">
+                  <a16:creationId xmlns:a16="http://schemas.microsoft.com/office/drawing/2014/main" id="{61C519C3-F5D2-3483-FA12-57A9F586F1EF}"/>
+                </a:ext>
+              </a:extLst>
+            </p:cNvPr>
+            <p:cNvSpPr/>
+            <p:nvPr/>
+          </p:nvSpPr>
+          <p:spPr>
+            <a:xfrm>
+              <a:off x="4466218" y="4166795"/>
+              <a:ext cx="1708672" cy="432995"/>
+            </a:xfrm>
+            <a:prstGeom prst="rect">
+              <a:avLst/>
+            </a:prstGeom>
+            <a:ln>
+              <a:noFill/>
+            </a:ln>
+          </p:spPr>
+          <p:style>
+            <a:lnRef idx="2">
+              <a:schemeClr val="dk1"/>
+            </a:lnRef>
+            <a:fillRef idx="1">
+              <a:schemeClr val="lt1"/>
+            </a:fillRef>
+            <a:effectRef idx="0">
+              <a:schemeClr val="dk1"/>
+            </a:effectRef>
+            <a:fontRef idx="minor">
+              <a:schemeClr val="dk1"/>
+            </a:fontRef>
+          </p:style>
+          <p:txBody>
+            <a:bodyPr rtlCol="0" anchor="ctr"/>
+            <a:lstStyle/>
+            <a:p>
+              <a:pPr algn="ctr"/>
+              <a:endParaRPr lang="en-US"/>
+            </a:p>
+          </p:txBody>
+        </p:sp>
+        <p:sp>
+          <p:nvSpPr>
+            <p:cNvPr id="18" name="矩形 17">
+              <a:extLst>
+                <a:ext uri="{FF2B5EF4-FFF2-40B4-BE49-F238E27FC236}">
+                  <a16:creationId xmlns:a16="http://schemas.microsoft.com/office/drawing/2014/main" id="{051FC641-6E56-A156-43A2-21E264984DBD}"/>
+                </a:ext>
+              </a:extLst>
+            </p:cNvPr>
+            <p:cNvSpPr/>
+            <p:nvPr/>
+          </p:nvSpPr>
+          <p:spPr>
+            <a:xfrm>
+              <a:off x="5649558" y="2214400"/>
+              <a:ext cx="1312433" cy="657892"/>
+            </a:xfrm>
+            <a:prstGeom prst="rect">
+              <a:avLst/>
+            </a:prstGeom>
+            <a:ln>
+              <a:noFill/>
+            </a:ln>
+          </p:spPr>
+          <p:style>
+            <a:lnRef idx="2">
+              <a:schemeClr val="dk1"/>
+            </a:lnRef>
+            <a:fillRef idx="1">
+              <a:schemeClr val="lt1"/>
+            </a:fillRef>
+            <a:effectRef idx="0">
+              <a:schemeClr val="dk1"/>
+            </a:effectRef>
+            <a:fontRef idx="minor">
+              <a:schemeClr val="dk1"/>
+            </a:fontRef>
+          </p:style>
+          <p:txBody>
+            <a:bodyPr rtlCol="0" anchor="ctr"/>
+            <a:lstStyle/>
+            <a:p>
+              <a:pPr algn="ctr"/>
+              <a:endParaRPr lang="en-US"/>
+            </a:p>
+          </p:txBody>
+        </p:sp>
+        <p:sp>
+          <p:nvSpPr>
+            <p:cNvPr id="31" name="矩形 30">
+              <a:extLst>
+                <a:ext uri="{FF2B5EF4-FFF2-40B4-BE49-F238E27FC236}">
+                  <a16:creationId xmlns:a16="http://schemas.microsoft.com/office/drawing/2014/main" id="{EFD11E90-7147-027E-C995-38C2D148D87D}"/>
+                </a:ext>
+              </a:extLst>
+            </p:cNvPr>
+            <p:cNvSpPr/>
+            <p:nvPr/>
+          </p:nvSpPr>
+          <p:spPr>
+            <a:xfrm>
+              <a:off x="4593849" y="5393702"/>
+              <a:ext cx="849520" cy="432995"/>
+            </a:xfrm>
+            <a:prstGeom prst="rect">
+              <a:avLst/>
+            </a:prstGeom>
+            <a:ln>
+              <a:noFill/>
+            </a:ln>
+          </p:spPr>
+          <p:style>
+            <a:lnRef idx="2">
+              <a:schemeClr val="dk1"/>
+            </a:lnRef>
+            <a:fillRef idx="1">
+              <a:schemeClr val="lt1"/>
+            </a:fillRef>
+            <a:effectRef idx="0">
+              <a:schemeClr val="dk1"/>
+            </a:effectRef>
+            <a:fontRef idx="minor">
+              <a:schemeClr val="dk1"/>
+            </a:fontRef>
+          </p:style>
+          <p:txBody>
+            <a:bodyPr rtlCol="0" anchor="ctr"/>
+            <a:lstStyle/>
+            <a:p>
+              <a:pPr algn="ctr"/>
+              <a:endParaRPr lang="en-US"/>
+            </a:p>
+          </p:txBody>
+        </p:sp>
+      </p:grpSp>
     </p:spTree>
     <p:extLst>
       <p:ext uri="{BB962C8B-B14F-4D97-AF65-F5344CB8AC3E}">
-        <p14:creationId xmlns:p14="http://schemas.microsoft.com/office/powerpoint/2010/main" val="4104224022"/>
+        <p14:creationId xmlns:p14="http://schemas.microsoft.com/office/powerpoint/2010/main" val="3102131764"/>
       </p:ext>
     </p:extLst>
   </p:cSld>
@@ -15018,6 +15259,35 @@
           <a:chExt cx="0" cy="0"/>
         </a:xfrm>
       </p:grpSpPr>
+      <p:sp>
+        <p:nvSpPr>
+          <p:cNvPr id="4" name="灯片编号占位符 3">
+            <a:extLst>
+              <a:ext uri="{FF2B5EF4-FFF2-40B4-BE49-F238E27FC236}">
+                <a16:creationId xmlns:a16="http://schemas.microsoft.com/office/drawing/2014/main" id="{EA94B3AC-0A19-537C-2F88-1E8DC3133890}"/>
+              </a:ext>
+            </a:extLst>
+          </p:cNvPr>
+          <p:cNvSpPr>
+            <a:spLocks noGrp="1"/>
+          </p:cNvSpPr>
+          <p:nvPr>
+            <p:ph type="sldNum" sz="quarter" idx="12"/>
+          </p:nvPr>
+        </p:nvSpPr>
+        <p:spPr/>
+        <p:txBody>
+          <a:bodyPr/>
+          <a:lstStyle/>
+          <a:p>
+            <a:fld id="{4850F4DE-1C22-402A-862E-BA4FB7F7A4F6}" type="slidenum">
+              <a:rPr lang="zh-CN" altLang="en-US" smtClean="0"/>
+              <a:t>7</a:t>
+            </a:fld>
+            <a:endParaRPr lang="zh-CN" altLang="en-US"/>
+          </a:p>
+        </p:txBody>
+      </p:sp>
       <p:sp>
         <p:nvSpPr>
           <p:cNvPr id="6" name="矩形 5">
@@ -15161,7 +15431,7 @@
           <a:noFill/>
         </p:spPr>
         <p:txBody>
-          <a:bodyPr wrap="none" lIns="91440" tIns="45720" rIns="91440" bIns="45720" rtlCol="0" anchor="t">
+          <a:bodyPr wrap="none" rtlCol="0">
             <a:spAutoFit/>
           </a:bodyPr>
           <a:lstStyle/>
@@ -15172,17 +15442,17 @@
                 <a:solidFill>
                   <a:schemeClr val="bg1"/>
                 </a:solidFill>
-                <a:ea typeface="等线"/>
                 <a:cs typeface="+mn-ea"/>
                 <a:sym typeface="+mn-lt"/>
               </a:rPr>
-              <a:t>2</a:t>
+              <a:t>1</a:t>
             </a:r>
-            <a:endParaRPr lang="en-US" altLang="zh-CN" sz="4000" b="1" dirty="0">
+            <a:endParaRPr lang="zh-CN" altLang="en-US" sz="4000" b="1" dirty="0">
               <a:solidFill>
                 <a:schemeClr val="bg1"/>
               </a:solidFill>
-              <a:ea typeface="等线"/>
+              <a:cs typeface="+mn-ea"/>
+              <a:sym typeface="+mn-lt"/>
             </a:endParaRPr>
           </a:p>
         </p:txBody>
@@ -15202,7 +15472,7 @@
         <p:spPr>
           <a:xfrm>
             <a:off x="1086272" y="265387"/>
-            <a:ext cx="8184237" cy="523220"/>
+            <a:ext cx="7030352" cy="523220"/>
           </a:xfrm>
           <a:prstGeom prst="rect">
             <a:avLst/>
@@ -15315,48 +15585,18 @@
                 <a:ea typeface="SimSun"/>
                 <a:cs typeface="Times New Roman"/>
               </a:rPr>
-              <a:t>RDNN: DNM-based temporal prediction model</a:t>
+              <a:t>DNM: Dendritic Neuron Model</a:t>
             </a:r>
             <a:endParaRPr lang="zh-CN" dirty="0"/>
           </a:p>
         </p:txBody>
       </p:sp>
-      <p:pic>
-        <p:nvPicPr>
-          <p:cNvPr id="36" name="图片 35">
+      <p:sp>
+        <p:nvSpPr>
+          <p:cNvPr id="2" name="矩形 1">
             <a:extLst>
               <a:ext uri="{FF2B5EF4-FFF2-40B4-BE49-F238E27FC236}">
-                <a16:creationId xmlns:a16="http://schemas.microsoft.com/office/drawing/2014/main" id="{3799AC7D-6D71-F33C-498C-C2649FF61454}"/>
-              </a:ext>
-            </a:extLst>
-          </p:cNvPr>
-          <p:cNvPicPr>
-            <a:picLocks noChangeAspect="1"/>
-          </p:cNvPicPr>
-          <p:nvPr/>
-        </p:nvPicPr>
-        <p:blipFill>
-          <a:blip r:embed="rId2"/>
-          <a:stretch>
-            <a:fillRect/>
-          </a:stretch>
-        </p:blipFill>
-        <p:spPr>
-          <a:xfrm>
-            <a:off x="6096000" y="993954"/>
-            <a:ext cx="5982547" cy="5719899"/>
-          </a:xfrm>
-          <a:prstGeom prst="rect">
-            <a:avLst/>
-          </a:prstGeom>
-        </p:spPr>
-      </p:pic>
-      <p:sp>
-        <p:nvSpPr>
-          <p:cNvPr id="37" name="矩形 36">
-            <a:extLst>
-              <a:ext uri="{FF2B5EF4-FFF2-40B4-BE49-F238E27FC236}">
-                <a16:creationId xmlns:a16="http://schemas.microsoft.com/office/drawing/2014/main" id="{203D1BCA-41AB-AC05-3CAF-00F551620011}"/>
+                <a16:creationId xmlns:a16="http://schemas.microsoft.com/office/drawing/2014/main" id="{56A9CDEB-3ED8-B1C5-01D3-FA9DD79928E4}"/>
               </a:ext>
             </a:extLst>
           </p:cNvPr>
@@ -15365,8 +15605,8 @@
         </p:nvSpPr>
         <p:spPr>
           <a:xfrm>
-            <a:off x="378243" y="1545021"/>
-            <a:ext cx="5131604" cy="5047592"/>
+            <a:off x="378244" y="1545021"/>
+            <a:ext cx="6770701" cy="5047592"/>
           </a:xfrm>
           <a:prstGeom prst="rect">
             <a:avLst/>
@@ -15477,36 +15717,58 @@
                 <a:latin typeface="Times New Roman" panose="02020603050405020304" pitchFamily="18" charset="0"/>
                 <a:cs typeface="Times New Roman" panose="02020603050405020304" pitchFamily="18" charset="0"/>
               </a:rPr>
-              <a:t>In this section, we propose a new recurrent neural network using DNM-M as the base unit, which we call </a:t>
+              <a:t>However, DNM still has some issues, such as:</a:t>
+            </a:r>
+          </a:p>
+          <a:p>
+            <a:endParaRPr lang="en-US" altLang="ja-JP" sz="2800" dirty="0">
+              <a:latin typeface="Times New Roman" panose="02020603050405020304" pitchFamily="18" charset="0"/>
+              <a:cs typeface="Times New Roman" panose="02020603050405020304" pitchFamily="18" charset="0"/>
+            </a:endParaRPr>
+          </a:p>
+          <a:p>
+            <a:pPr marL="514350" indent="-514350">
+              <a:buAutoNum type="arabicPeriod"/>
+            </a:pPr>
+            <a:r>
+              <a:rPr lang="en-US" altLang="ja-JP" sz="2800" dirty="0">
+                <a:latin typeface="Times New Roman" panose="02020603050405020304" pitchFamily="18" charset="0"/>
+                <a:cs typeface="Times New Roman" panose="02020603050405020304" pitchFamily="18" charset="0"/>
+              </a:rPr>
+              <a:t>In most cases, DNM need to be trained using evolutionary algorithms (EA) to achieve the best results. </a:t>
             </a:r>
             <a:r>
               <a:rPr lang="en-US" altLang="ja-JP" sz="2800" b="1" dirty="0">
                 <a:latin typeface="Times New Roman" panose="02020603050405020304" pitchFamily="18" charset="0"/>
                 <a:cs typeface="Times New Roman" panose="02020603050405020304" pitchFamily="18" charset="0"/>
               </a:rPr>
-              <a:t>recurrent dendritic neural network (RDNN)</a:t>
+              <a:t>EA limits the increase of DNM parameters.</a:t>
+            </a:r>
+          </a:p>
+          <a:p>
+            <a:pPr marL="514350" indent="-514350">
+              <a:buAutoNum type="arabicPeriod"/>
+            </a:pPr>
+            <a:r>
+              <a:rPr lang="en-US" altLang="ja-JP" sz="2800" dirty="0">
+                <a:latin typeface="Times New Roman" panose="02020603050405020304" pitchFamily="18" charset="0"/>
+                <a:cs typeface="Times New Roman" panose="02020603050405020304" pitchFamily="18" charset="0"/>
+              </a:rPr>
+              <a:t>The computational power of a single DNM is limited and it is currently </a:t>
+            </a:r>
+            <a:r>
+              <a:rPr lang="en-US" altLang="ja-JP" sz="2800" b="1" dirty="0">
+                <a:latin typeface="Times New Roman" panose="02020603050405020304" pitchFamily="18" charset="0"/>
+                <a:cs typeface="Times New Roman" panose="02020603050405020304" pitchFamily="18" charset="0"/>
+              </a:rPr>
+              <a:t>impossible to form complex network </a:t>
             </a:r>
             <a:r>
               <a:rPr lang="en-US" altLang="ja-JP" sz="2800" dirty="0">
                 <a:latin typeface="Times New Roman" panose="02020603050405020304" pitchFamily="18" charset="0"/>
                 <a:cs typeface="Times New Roman" panose="02020603050405020304" pitchFamily="18" charset="0"/>
               </a:rPr>
-              <a:t>.</a:t>
-            </a:r>
-          </a:p>
-          <a:p>
-            <a:endParaRPr lang="en-US" altLang="ja-JP" sz="2800" dirty="0">
-              <a:latin typeface="Times New Roman" panose="02020603050405020304" pitchFamily="18" charset="0"/>
-              <a:cs typeface="Times New Roman" panose="02020603050405020304" pitchFamily="18" charset="0"/>
-            </a:endParaRPr>
-          </a:p>
-          <a:p>
-            <a:r>
-              <a:rPr lang="en-US" altLang="ja-JP" sz="2800" dirty="0">
-                <a:latin typeface="Times New Roman" panose="02020603050405020304" pitchFamily="18" charset="0"/>
-                <a:cs typeface="Times New Roman" panose="02020603050405020304" pitchFamily="18" charset="0"/>
-              </a:rPr>
-              <a:t>The inputs at different moments are processed by the RDNN cell and passed to the fully connected layer to get the final output.</a:t>
+              <a:t>with multiple DNMs.</a:t>
             </a:r>
             <a:endParaRPr lang="ja-JP" altLang="en-US" sz="2800" dirty="0">
               <a:latin typeface="Times New Roman" panose="02020603050405020304" pitchFamily="18" charset="0"/>
@@ -15515,10 +15777,45 @@
           </a:p>
         </p:txBody>
       </p:sp>
+      <p:pic>
+        <p:nvPicPr>
+          <p:cNvPr id="3" name="图片 2" descr="形状&#10;&#10;中度可信度描述已自动生成">
+            <a:extLst>
+              <a:ext uri="{FF2B5EF4-FFF2-40B4-BE49-F238E27FC236}">
+                <a16:creationId xmlns:a16="http://schemas.microsoft.com/office/drawing/2014/main" id="{99287E21-A52A-472B-7BB9-B297B2043D5F}"/>
+              </a:ext>
+            </a:extLst>
+          </p:cNvPr>
+          <p:cNvPicPr>
+            <a:picLocks noChangeAspect="1"/>
+          </p:cNvPicPr>
+          <p:nvPr/>
+        </p:nvPicPr>
+        <p:blipFill rotWithShape="1">
+          <a:blip r:embed="rId2">
+            <a:extLst>
+              <a:ext uri="{28A0092B-C50C-407E-A947-70E740481C1C}">
+                <a14:useLocalDpi xmlns:a14="http://schemas.microsoft.com/office/drawing/2010/main" val="0"/>
+              </a:ext>
+            </a:extLst>
+          </a:blip>
+          <a:srcRect l="50412" t="12028" r="697" b="12028"/>
+          <a:stretch/>
+        </p:blipFill>
+        <p:spPr>
+          <a:xfrm>
+            <a:off x="6898087" y="2050027"/>
+            <a:ext cx="5266724" cy="3519500"/>
+          </a:xfrm>
+          <a:prstGeom prst="rect">
+            <a:avLst/>
+          </a:prstGeom>
+        </p:spPr>
+      </p:pic>
     </p:spTree>
     <p:extLst>
       <p:ext uri="{BB962C8B-B14F-4D97-AF65-F5344CB8AC3E}">
-        <p14:creationId xmlns:p14="http://schemas.microsoft.com/office/powerpoint/2010/main" val="737084115"/>
+        <p14:creationId xmlns:p14="http://schemas.microsoft.com/office/powerpoint/2010/main" val="4104224022"/>
       </p:ext>
     </p:extLst>
   </p:cSld>
@@ -16045,7 +16342,7 @@
     </p:spTree>
     <p:extLst>
       <p:ext uri="{BB962C8B-B14F-4D97-AF65-F5344CB8AC3E}">
-        <p14:creationId xmlns:p14="http://schemas.microsoft.com/office/powerpoint/2010/main" val="1758251906"/>
+        <p14:creationId xmlns:p14="http://schemas.microsoft.com/office/powerpoint/2010/main" val="737084115"/>
       </p:ext>
     </p:extLst>
   </p:cSld>
@@ -16074,39 +16371,313 @@
       </p:grpSpPr>
       <p:sp>
         <p:nvSpPr>
-          <p:cNvPr id="4" name="灯片编号占位符 3">
+          <p:cNvPr id="6" name="矩形 5">
             <a:extLst>
               <a:ext uri="{FF2B5EF4-FFF2-40B4-BE49-F238E27FC236}">
-                <a16:creationId xmlns:a16="http://schemas.microsoft.com/office/drawing/2014/main" id="{EA94B3AC-0A19-537C-2F88-1E8DC3133890}"/>
+                <a16:creationId xmlns:a16="http://schemas.microsoft.com/office/drawing/2014/main" id="{B421A9F6-23E6-EA88-4F15-D4FA7384406F}"/>
               </a:ext>
             </a:extLst>
           </p:cNvPr>
-          <p:cNvSpPr>
-            <a:spLocks noGrp="1"/>
-          </p:cNvSpPr>
-          <p:nvPr>
-            <p:ph type="sldNum" sz="quarter" idx="12"/>
-          </p:nvPr>
+          <p:cNvSpPr/>
+          <p:nvPr/>
         </p:nvSpPr>
-        <p:spPr/>
+        <p:spPr>
+          <a:xfrm>
+            <a:off x="0" y="-1"/>
+            <a:ext cx="12192000" cy="982413"/>
+          </a:xfrm>
+          <a:prstGeom prst="rect">
+            <a:avLst/>
+          </a:prstGeom>
+          <a:solidFill>
+            <a:schemeClr val="tx2">
+              <a:lumMod val="60000"/>
+              <a:lumOff val="40000"/>
+            </a:schemeClr>
+          </a:solidFill>
+          <a:ln>
+            <a:noFill/>
+          </a:ln>
+        </p:spPr>
+        <p:style>
+          <a:lnRef idx="2">
+            <a:schemeClr val="accent1">
+              <a:shade val="50000"/>
+            </a:schemeClr>
+          </a:lnRef>
+          <a:fillRef idx="1">
+            <a:schemeClr val="accent1"/>
+          </a:fillRef>
+          <a:effectRef idx="0">
+            <a:schemeClr val="accent1"/>
+          </a:effectRef>
+          <a:fontRef idx="minor">
+            <a:schemeClr val="lt1"/>
+          </a:fontRef>
+        </p:style>
         <p:txBody>
-          <a:bodyPr/>
+          <a:bodyPr anchor="ctr"/>
           <a:lstStyle/>
           <a:p>
-            <a:fld id="{4850F4DE-1C22-402A-862E-BA4FB7F7A4F6}" type="slidenum">
-              <a:rPr lang="zh-CN" altLang="en-US" smtClean="0"/>
-              <a:t>9</a:t>
-            </a:fld>
-            <a:endParaRPr lang="zh-CN" altLang="en-US"/>
+            <a:pPr algn="ctr"/>
+            <a:endParaRPr sz="2800" dirty="0">
+              <a:cs typeface="+mn-ea"/>
+              <a:sym typeface="+mn-lt"/>
+            </a:endParaRPr>
+          </a:p>
+        </p:txBody>
+      </p:sp>
+      <p:sp>
+        <p:nvSpPr>
+          <p:cNvPr id="8" name="椭圆 7">
+            <a:extLst>
+              <a:ext uri="{FF2B5EF4-FFF2-40B4-BE49-F238E27FC236}">
+                <a16:creationId xmlns:a16="http://schemas.microsoft.com/office/drawing/2014/main" id="{B4A7F43D-C221-7A70-B39B-772E9B365FD4}"/>
+              </a:ext>
+            </a:extLst>
+          </p:cNvPr>
+          <p:cNvSpPr/>
+          <p:nvPr/>
+        </p:nvSpPr>
+        <p:spPr>
+          <a:xfrm>
+            <a:off x="270022" y="151025"/>
+            <a:ext cx="751945" cy="751945"/>
+          </a:xfrm>
+          <a:prstGeom prst="ellipse">
+            <a:avLst/>
+          </a:prstGeom>
+          <a:solidFill>
+            <a:schemeClr val="tx2">
+              <a:lumMod val="75000"/>
+            </a:schemeClr>
+          </a:solidFill>
+          <a:ln>
+            <a:noFill/>
+          </a:ln>
+        </p:spPr>
+        <p:style>
+          <a:lnRef idx="2">
+            <a:schemeClr val="accent1">
+              <a:shade val="50000"/>
+            </a:schemeClr>
+          </a:lnRef>
+          <a:fillRef idx="1">
+            <a:schemeClr val="accent1"/>
+          </a:fillRef>
+          <a:effectRef idx="0">
+            <a:schemeClr val="accent1"/>
+          </a:effectRef>
+          <a:fontRef idx="minor">
+            <a:schemeClr val="lt1"/>
+          </a:fontRef>
+        </p:style>
+        <p:txBody>
+          <a:bodyPr rtlCol="0" anchor="ctr"/>
+          <a:lstStyle/>
+          <a:p>
+            <a:pPr algn="ctr"/>
+            <a:endParaRPr lang="zh-CN" altLang="en-US">
+              <a:solidFill>
+                <a:schemeClr val="tx2">
+                  <a:lumMod val="75000"/>
+                </a:schemeClr>
+              </a:solidFill>
+              <a:cs typeface="+mn-ea"/>
+              <a:sym typeface="+mn-lt"/>
+            </a:endParaRPr>
+          </a:p>
+        </p:txBody>
+      </p:sp>
+      <p:sp>
+        <p:nvSpPr>
+          <p:cNvPr id="10" name="文本框 9">
+            <a:extLst>
+              <a:ext uri="{FF2B5EF4-FFF2-40B4-BE49-F238E27FC236}">
+                <a16:creationId xmlns:a16="http://schemas.microsoft.com/office/drawing/2014/main" id="{DFE629CA-709E-0C22-08D8-19B33BF1A0DA}"/>
+              </a:ext>
+            </a:extLst>
+          </p:cNvPr>
+          <p:cNvSpPr txBox="1"/>
+          <p:nvPr/>
+        </p:nvSpPr>
+        <p:spPr>
+          <a:xfrm>
+            <a:off x="406986" y="173054"/>
+            <a:ext cx="478015" cy="707886"/>
+          </a:xfrm>
+          <a:prstGeom prst="rect">
+            <a:avLst/>
+          </a:prstGeom>
+          <a:noFill/>
+        </p:spPr>
+        <p:txBody>
+          <a:bodyPr wrap="none" lIns="91440" tIns="45720" rIns="91440" bIns="45720" rtlCol="0" anchor="t">
+            <a:spAutoFit/>
+          </a:bodyPr>
+          <a:lstStyle/>
+          <a:p>
+            <a:pPr algn="ctr"/>
+            <a:r>
+              <a:rPr lang="en-US" altLang="zh-CN" sz="4000" b="1" dirty="0">
+                <a:solidFill>
+                  <a:schemeClr val="bg1"/>
+                </a:solidFill>
+                <a:ea typeface="等线"/>
+                <a:cs typeface="+mn-ea"/>
+                <a:sym typeface="+mn-lt"/>
+              </a:rPr>
+              <a:t>2</a:t>
+            </a:r>
+            <a:endParaRPr lang="en-US" altLang="zh-CN" sz="4000" b="1" dirty="0">
+              <a:solidFill>
+                <a:schemeClr val="bg1"/>
+              </a:solidFill>
+              <a:ea typeface="等线"/>
+            </a:endParaRPr>
+          </a:p>
+        </p:txBody>
+      </p:sp>
+      <p:sp>
+        <p:nvSpPr>
+          <p:cNvPr id="12" name="文本框 11">
+            <a:extLst>
+              <a:ext uri="{FF2B5EF4-FFF2-40B4-BE49-F238E27FC236}">
+                <a16:creationId xmlns:a16="http://schemas.microsoft.com/office/drawing/2014/main" id="{E7D75ED7-53D5-EF61-99C5-87A0C2D94CDA}"/>
+              </a:ext>
+            </a:extLst>
+          </p:cNvPr>
+          <p:cNvSpPr txBox="1"/>
+          <p:nvPr/>
+        </p:nvSpPr>
+        <p:spPr>
+          <a:xfrm>
+            <a:off x="1086272" y="265387"/>
+            <a:ext cx="8184237" cy="523220"/>
+          </a:xfrm>
+          <a:prstGeom prst="rect">
+            <a:avLst/>
+          </a:prstGeom>
+          <a:noFill/>
+        </p:spPr>
+        <p:txBody>
+          <a:bodyPr wrap="square" lIns="91440" tIns="45720" rIns="91440" bIns="45720" rtlCol="0" anchor="t">
+            <a:spAutoFit/>
+          </a:bodyPr>
+          <a:lstStyle>
+            <a:defPPr>
+              <a:defRPr lang="en-US"/>
+            </a:defPPr>
+            <a:lvl1pPr marL="0" algn="l" defTabSz="914400" rtl="0" eaLnBrk="1" latinLnBrk="0" hangingPunct="1">
+              <a:defRPr sz="1800" kern="1200">
+                <a:solidFill>
+                  <a:schemeClr val="tx1"/>
+                </a:solidFill>
+                <a:latin typeface="+mn-lt"/>
+                <a:ea typeface="+mn-ea"/>
+                <a:cs typeface="+mn-cs"/>
+              </a:defRPr>
+            </a:lvl1pPr>
+            <a:lvl2pPr marL="457200" algn="l" defTabSz="914400" rtl="0" eaLnBrk="1" latinLnBrk="0" hangingPunct="1">
+              <a:defRPr sz="1800" kern="1200">
+                <a:solidFill>
+                  <a:schemeClr val="tx1"/>
+                </a:solidFill>
+                <a:latin typeface="+mn-lt"/>
+                <a:ea typeface="+mn-ea"/>
+                <a:cs typeface="+mn-cs"/>
+              </a:defRPr>
+            </a:lvl2pPr>
+            <a:lvl3pPr marL="914400" algn="l" defTabSz="914400" rtl="0" eaLnBrk="1" latinLnBrk="0" hangingPunct="1">
+              <a:defRPr sz="1800" kern="1200">
+                <a:solidFill>
+                  <a:schemeClr val="tx1"/>
+                </a:solidFill>
+                <a:latin typeface="+mn-lt"/>
+                <a:ea typeface="+mn-ea"/>
+                <a:cs typeface="+mn-cs"/>
+              </a:defRPr>
+            </a:lvl3pPr>
+            <a:lvl4pPr marL="1371600" algn="l" defTabSz="914400" rtl="0" eaLnBrk="1" latinLnBrk="0" hangingPunct="1">
+              <a:defRPr sz="1800" kern="1200">
+                <a:solidFill>
+                  <a:schemeClr val="tx1"/>
+                </a:solidFill>
+                <a:latin typeface="+mn-lt"/>
+                <a:ea typeface="+mn-ea"/>
+                <a:cs typeface="+mn-cs"/>
+              </a:defRPr>
+            </a:lvl4pPr>
+            <a:lvl5pPr marL="1828800" algn="l" defTabSz="914400" rtl="0" eaLnBrk="1" latinLnBrk="0" hangingPunct="1">
+              <a:defRPr sz="1800" kern="1200">
+                <a:solidFill>
+                  <a:schemeClr val="tx1"/>
+                </a:solidFill>
+                <a:latin typeface="+mn-lt"/>
+                <a:ea typeface="+mn-ea"/>
+                <a:cs typeface="+mn-cs"/>
+              </a:defRPr>
+            </a:lvl5pPr>
+            <a:lvl6pPr marL="2286000" algn="l" defTabSz="914400" rtl="0" eaLnBrk="1" latinLnBrk="0" hangingPunct="1">
+              <a:defRPr sz="1800" kern="1200">
+                <a:solidFill>
+                  <a:schemeClr val="tx1"/>
+                </a:solidFill>
+                <a:latin typeface="+mn-lt"/>
+                <a:ea typeface="+mn-ea"/>
+                <a:cs typeface="+mn-cs"/>
+              </a:defRPr>
+            </a:lvl6pPr>
+            <a:lvl7pPr marL="2743200" algn="l" defTabSz="914400" rtl="0" eaLnBrk="1" latinLnBrk="0" hangingPunct="1">
+              <a:defRPr sz="1800" kern="1200">
+                <a:solidFill>
+                  <a:schemeClr val="tx1"/>
+                </a:solidFill>
+                <a:latin typeface="+mn-lt"/>
+                <a:ea typeface="+mn-ea"/>
+                <a:cs typeface="+mn-cs"/>
+              </a:defRPr>
+            </a:lvl7pPr>
+            <a:lvl8pPr marL="3200400" algn="l" defTabSz="914400" rtl="0" eaLnBrk="1" latinLnBrk="0" hangingPunct="1">
+              <a:defRPr sz="1800" kern="1200">
+                <a:solidFill>
+                  <a:schemeClr val="tx1"/>
+                </a:solidFill>
+                <a:latin typeface="+mn-lt"/>
+                <a:ea typeface="+mn-ea"/>
+                <a:cs typeface="+mn-cs"/>
+              </a:defRPr>
+            </a:lvl8pPr>
+            <a:lvl9pPr marL="3657600" algn="l" defTabSz="914400" rtl="0" eaLnBrk="1" latinLnBrk="0" hangingPunct="1">
+              <a:defRPr sz="1800" kern="1200">
+                <a:solidFill>
+                  <a:schemeClr val="tx1"/>
+                </a:solidFill>
+                <a:latin typeface="+mn-lt"/>
+                <a:ea typeface="+mn-ea"/>
+                <a:cs typeface="+mn-cs"/>
+              </a:defRPr>
+            </a:lvl9pPr>
+          </a:lstStyle>
+          <a:p>
+            <a:r>
+              <a:rPr kumimoji="1" lang="en-US" sz="2800" b="1" dirty="0">
+                <a:latin typeface="Times New Roman"/>
+                <a:ea typeface="SimSun"/>
+                <a:cs typeface="Times New Roman"/>
+              </a:rPr>
+              <a:t>RDNN: DNM-based temporal prediction model</a:t>
+            </a:r>
+            <a:endParaRPr lang="zh-CN" dirty="0"/>
           </a:p>
         </p:txBody>
       </p:sp>
       <p:pic>
         <p:nvPicPr>
-          <p:cNvPr id="3" name="图片 4" descr="表格&#10;&#10;已自动生成说明">
+          <p:cNvPr id="36" name="图片 35">
             <a:extLst>
               <a:ext uri="{FF2B5EF4-FFF2-40B4-BE49-F238E27FC236}">
-                <a16:creationId xmlns:a16="http://schemas.microsoft.com/office/drawing/2014/main" id="{60087EE0-8DBF-D443-CC4A-7D307BB62681}"/>
+                <a16:creationId xmlns:a16="http://schemas.microsoft.com/office/drawing/2014/main" id="{3799AC7D-6D71-F33C-498C-C2649FF61454}"/>
               </a:ext>
             </a:extLst>
           </p:cNvPr>
@@ -16115,25 +16686,190 @@
           </p:cNvPicPr>
           <p:nvPr/>
         </p:nvPicPr>
-        <p:blipFill rotWithShape="1">
+        <p:blipFill>
           <a:blip r:embed="rId2"/>
-          <a:srcRect r="-110" b="49528"/>
-          <a:stretch/>
+          <a:stretch>
+            <a:fillRect/>
+          </a:stretch>
         </p:blipFill>
         <p:spPr>
           <a:xfrm>
-            <a:off x="1055084" y="-1808"/>
-            <a:ext cx="10370491" cy="6804382"/>
+            <a:off x="6096000" y="993954"/>
+            <a:ext cx="5982547" cy="5719899"/>
           </a:xfrm>
           <a:prstGeom prst="rect">
             <a:avLst/>
           </a:prstGeom>
         </p:spPr>
       </p:pic>
+      <p:sp>
+        <p:nvSpPr>
+          <p:cNvPr id="37" name="矩形 36">
+            <a:extLst>
+              <a:ext uri="{FF2B5EF4-FFF2-40B4-BE49-F238E27FC236}">
+                <a16:creationId xmlns:a16="http://schemas.microsoft.com/office/drawing/2014/main" id="{203D1BCA-41AB-AC05-3CAF-00F551620011}"/>
+              </a:ext>
+            </a:extLst>
+          </p:cNvPr>
+          <p:cNvSpPr/>
+          <p:nvPr/>
+        </p:nvSpPr>
+        <p:spPr>
+          <a:xfrm>
+            <a:off x="378243" y="1545021"/>
+            <a:ext cx="5131604" cy="5047592"/>
+          </a:xfrm>
+          <a:prstGeom prst="rect">
+            <a:avLst/>
+          </a:prstGeom>
+        </p:spPr>
+        <p:txBody>
+          <a:bodyPr wrap="square">
+            <a:noAutofit/>
+          </a:bodyPr>
+          <a:lstStyle>
+            <a:defPPr>
+              <a:defRPr lang="ja-JP"/>
+            </a:defPPr>
+            <a:lvl1pPr marL="0" algn="l" defTabSz="914400" rtl="0" eaLnBrk="1" latinLnBrk="0" hangingPunct="1">
+              <a:defRPr kumimoji="1" sz="1800" kern="1200">
+                <a:solidFill>
+                  <a:schemeClr val="tx1"/>
+                </a:solidFill>
+                <a:latin typeface="+mn-lt"/>
+                <a:ea typeface="+mn-ea"/>
+                <a:cs typeface="+mn-cs"/>
+              </a:defRPr>
+            </a:lvl1pPr>
+            <a:lvl2pPr marL="457200" algn="l" defTabSz="914400" rtl="0" eaLnBrk="1" latinLnBrk="0" hangingPunct="1">
+              <a:defRPr kumimoji="1" sz="1800" kern="1200">
+                <a:solidFill>
+                  <a:schemeClr val="tx1"/>
+                </a:solidFill>
+                <a:latin typeface="+mn-lt"/>
+                <a:ea typeface="+mn-ea"/>
+                <a:cs typeface="+mn-cs"/>
+              </a:defRPr>
+            </a:lvl2pPr>
+            <a:lvl3pPr marL="914400" algn="l" defTabSz="914400" rtl="0" eaLnBrk="1" latinLnBrk="0" hangingPunct="1">
+              <a:defRPr kumimoji="1" sz="1800" kern="1200">
+                <a:solidFill>
+                  <a:schemeClr val="tx1"/>
+                </a:solidFill>
+                <a:latin typeface="+mn-lt"/>
+                <a:ea typeface="+mn-ea"/>
+                <a:cs typeface="+mn-cs"/>
+              </a:defRPr>
+            </a:lvl3pPr>
+            <a:lvl4pPr marL="1371600" algn="l" defTabSz="914400" rtl="0" eaLnBrk="1" latinLnBrk="0" hangingPunct="1">
+              <a:defRPr kumimoji="1" sz="1800" kern="1200">
+                <a:solidFill>
+                  <a:schemeClr val="tx1"/>
+                </a:solidFill>
+                <a:latin typeface="+mn-lt"/>
+                <a:ea typeface="+mn-ea"/>
+                <a:cs typeface="+mn-cs"/>
+              </a:defRPr>
+            </a:lvl4pPr>
+            <a:lvl5pPr marL="1828800" algn="l" defTabSz="914400" rtl="0" eaLnBrk="1" latinLnBrk="0" hangingPunct="1">
+              <a:defRPr kumimoji="1" sz="1800" kern="1200">
+                <a:solidFill>
+                  <a:schemeClr val="tx1"/>
+                </a:solidFill>
+                <a:latin typeface="+mn-lt"/>
+                <a:ea typeface="+mn-ea"/>
+                <a:cs typeface="+mn-cs"/>
+              </a:defRPr>
+            </a:lvl5pPr>
+            <a:lvl6pPr marL="2286000" algn="l" defTabSz="914400" rtl="0" eaLnBrk="1" latinLnBrk="0" hangingPunct="1">
+              <a:defRPr kumimoji="1" sz="1800" kern="1200">
+                <a:solidFill>
+                  <a:schemeClr val="tx1"/>
+                </a:solidFill>
+                <a:latin typeface="+mn-lt"/>
+                <a:ea typeface="+mn-ea"/>
+                <a:cs typeface="+mn-cs"/>
+              </a:defRPr>
+            </a:lvl6pPr>
+            <a:lvl7pPr marL="2743200" algn="l" defTabSz="914400" rtl="0" eaLnBrk="1" latinLnBrk="0" hangingPunct="1">
+              <a:defRPr kumimoji="1" sz="1800" kern="1200">
+                <a:solidFill>
+                  <a:schemeClr val="tx1"/>
+                </a:solidFill>
+                <a:latin typeface="+mn-lt"/>
+                <a:ea typeface="+mn-ea"/>
+                <a:cs typeface="+mn-cs"/>
+              </a:defRPr>
+            </a:lvl7pPr>
+            <a:lvl8pPr marL="3200400" algn="l" defTabSz="914400" rtl="0" eaLnBrk="1" latinLnBrk="0" hangingPunct="1">
+              <a:defRPr kumimoji="1" sz="1800" kern="1200">
+                <a:solidFill>
+                  <a:schemeClr val="tx1"/>
+                </a:solidFill>
+                <a:latin typeface="+mn-lt"/>
+                <a:ea typeface="+mn-ea"/>
+                <a:cs typeface="+mn-cs"/>
+              </a:defRPr>
+            </a:lvl8pPr>
+            <a:lvl9pPr marL="3657600" algn="l" defTabSz="914400" rtl="0" eaLnBrk="1" latinLnBrk="0" hangingPunct="1">
+              <a:defRPr kumimoji="1" sz="1800" kern="1200">
+                <a:solidFill>
+                  <a:schemeClr val="tx1"/>
+                </a:solidFill>
+                <a:latin typeface="+mn-lt"/>
+                <a:ea typeface="+mn-ea"/>
+                <a:cs typeface="+mn-cs"/>
+              </a:defRPr>
+            </a:lvl9pPr>
+          </a:lstStyle>
+          <a:p>
+            <a:r>
+              <a:rPr lang="en-US" altLang="ja-JP" sz="2800" dirty="0">
+                <a:latin typeface="Times New Roman" panose="02020603050405020304" pitchFamily="18" charset="0"/>
+                <a:cs typeface="Times New Roman" panose="02020603050405020304" pitchFamily="18" charset="0"/>
+              </a:rPr>
+              <a:t>In this section, we propose a new recurrent neural network using DNM-M as the base unit, which we call </a:t>
+            </a:r>
+            <a:r>
+              <a:rPr lang="en-US" altLang="ja-JP" sz="2800" b="1" dirty="0">
+                <a:latin typeface="Times New Roman" panose="02020603050405020304" pitchFamily="18" charset="0"/>
+                <a:cs typeface="Times New Roman" panose="02020603050405020304" pitchFamily="18" charset="0"/>
+              </a:rPr>
+              <a:t>recurrent dendritic neural network (RDNN)</a:t>
+            </a:r>
+            <a:r>
+              <a:rPr lang="en-US" altLang="ja-JP" sz="2800" dirty="0">
+                <a:latin typeface="Times New Roman" panose="02020603050405020304" pitchFamily="18" charset="0"/>
+                <a:cs typeface="Times New Roman" panose="02020603050405020304" pitchFamily="18" charset="0"/>
+              </a:rPr>
+              <a:t>.</a:t>
+            </a:r>
+          </a:p>
+          <a:p>
+            <a:endParaRPr lang="en-US" altLang="ja-JP" sz="2800" dirty="0">
+              <a:latin typeface="Times New Roman" panose="02020603050405020304" pitchFamily="18" charset="0"/>
+              <a:cs typeface="Times New Roman" panose="02020603050405020304" pitchFamily="18" charset="0"/>
+            </a:endParaRPr>
+          </a:p>
+          <a:p>
+            <a:r>
+              <a:rPr lang="en-US" altLang="ja-JP" sz="2800" dirty="0">
+                <a:latin typeface="Times New Roman" panose="02020603050405020304" pitchFamily="18" charset="0"/>
+                <a:cs typeface="Times New Roman" panose="02020603050405020304" pitchFamily="18" charset="0"/>
+              </a:rPr>
+              <a:t>The inputs at different moments are processed by the RDNN cell and passed to the fully connected layer to get the final output.</a:t>
+            </a:r>
+            <a:endParaRPr lang="ja-JP" altLang="en-US" sz="2800" dirty="0">
+              <a:latin typeface="Times New Roman" panose="02020603050405020304" pitchFamily="18" charset="0"/>
+              <a:cs typeface="Times New Roman" panose="02020603050405020304" pitchFamily="18" charset="0"/>
+            </a:endParaRPr>
+          </a:p>
+        </p:txBody>
+      </p:sp>
     </p:spTree>
     <p:extLst>
       <p:ext uri="{BB962C8B-B14F-4D97-AF65-F5344CB8AC3E}">
-        <p14:creationId xmlns:p14="http://schemas.microsoft.com/office/powerpoint/2010/main" val="3606215223"/>
+        <p14:creationId xmlns:p14="http://schemas.microsoft.com/office/powerpoint/2010/main" val="1758251906"/>
       </p:ext>
     </p:extLst>
   </p:cSld>
@@ -16148,7 +16884,7 @@
   <a:themeElements>
     <a:clrScheme name="Office">
       <a:dk1>
-        <a:sysClr val="windowText" lastClr="464646"/>
+        <a:sysClr val="windowText" lastClr="000000"/>
       </a:dk1>
       <a:lt1>
         <a:sysClr val="window" lastClr="FFFFFF"/>
@@ -16443,7 +17179,7 @@
   <a:themeElements>
     <a:clrScheme name="Office">
       <a:dk1>
-        <a:sysClr val="windowText" lastClr="464646"/>
+        <a:sysClr val="windowText" lastClr="000000"/>
       </a:dk1>
       <a:lt1>
         <a:sysClr val="window" lastClr="FFFFFF"/>
